--- a/Original Files/Strategy Learner - CS7646 Machine Learning for Trading.pptx
+++ b/Original Files/Strategy Learner - CS7646 Machine Learning for Trading.pptx
@@ -5215,13 +5215,29 @@
             </a:r>
             <a:r>
               <a:rPr lang="en-US" altLang="ko-KR" dirty="0">
+                <a:solidFill>
+                  <a:schemeClr val="bg1">
+                    <a:lumMod val="65000"/>
+                  </a:schemeClr>
+                </a:solidFill>
                 <a:latin typeface="Arial" pitchFamily="34" charset="0"/>
                 <a:cs typeface="Arial" pitchFamily="34" charset="0"/>
-                <a:hlinkClick r:id="rId2"/>
+                <a:hlinkClick r:id="rId2">
+                  <a:extLst>
+                    <a:ext uri="{A12FA001-AC4F-418D-AE19-62706E023703}">
+                      <ahyp:hlinkClr xmlns:ahyp="http://schemas.microsoft.com/office/drawing/2018/hyperlinkcolor" val="tx"/>
+                    </a:ext>
+                  </a:extLst>
+                </a:hlinkClick>
               </a:rPr>
               <a:t>https://github.com/jameschanx/RNN_Stock_Trader</a:t>
             </a:r>
             <a:endParaRPr lang="en-US" altLang="ko-KR" dirty="0">
+              <a:solidFill>
+                <a:schemeClr val="bg1">
+                  <a:lumMod val="65000"/>
+                </a:schemeClr>
+              </a:solidFill>
               <a:latin typeface="Arial" pitchFamily="34" charset="0"/>
               <a:cs typeface="Arial" pitchFamily="34" charset="0"/>
             </a:endParaRPr>
@@ -5240,13 +5256,29 @@
             </a:r>
             <a:r>
               <a:rPr lang="en-US" altLang="ko-KR" dirty="0">
+                <a:solidFill>
+                  <a:schemeClr val="bg1">
+                    <a:lumMod val="65000"/>
+                  </a:schemeClr>
+                </a:solidFill>
                 <a:latin typeface="Arial" pitchFamily="34" charset="0"/>
                 <a:cs typeface="Arial" pitchFamily="34" charset="0"/>
-                <a:hlinkClick r:id="rId3"/>
+                <a:hlinkClick r:id="rId3">
+                  <a:extLst>
+                    <a:ext uri="{A12FA001-AC4F-418D-AE19-62706E023703}">
+                      <ahyp:hlinkClr xmlns:ahyp="http://schemas.microsoft.com/office/drawing/2018/hyperlinkcolor" val="tx"/>
+                    </a:ext>
+                  </a:extLst>
+                </a:hlinkClick>
               </a:rPr>
               <a:t>https://github.com/jameschanx/Sentiment_Stock_Trader-NLP</a:t>
             </a:r>
             <a:endParaRPr lang="en-US" altLang="ko-KR" dirty="0">
+              <a:solidFill>
+                <a:schemeClr val="bg1">
+                  <a:lumMod val="65000"/>
+                </a:schemeClr>
+              </a:solidFill>
               <a:latin typeface="Arial" pitchFamily="34" charset="0"/>
               <a:cs typeface="Arial" pitchFamily="34" charset="0"/>
             </a:endParaRPr>
@@ -5265,13 +5297,29 @@
             </a:r>
             <a:r>
               <a:rPr lang="en-US" altLang="ko-KR" dirty="0">
+                <a:solidFill>
+                  <a:schemeClr val="bg1">
+                    <a:lumMod val="65000"/>
+                  </a:schemeClr>
+                </a:solidFill>
                 <a:latin typeface="Arial" pitchFamily="34" charset="0"/>
                 <a:cs typeface="Arial" pitchFamily="34" charset="0"/>
-                <a:hlinkClick r:id="rId4"/>
+                <a:hlinkClick r:id="rId4">
+                  <a:extLst>
+                    <a:ext uri="{A12FA001-AC4F-418D-AE19-62706E023703}">
+                      <ahyp:hlinkClr xmlns:ahyp="http://schemas.microsoft.com/office/drawing/2018/hyperlinkcolor" val="tx"/>
+                    </a:ext>
+                  </a:extLst>
+                </a:hlinkClick>
               </a:rPr>
               <a:t>https://github.com/jameschanx/Deep_Learning_Stock_Trader</a:t>
             </a:r>
             <a:endParaRPr lang="en-US" altLang="ko-KR" dirty="0">
+              <a:solidFill>
+                <a:schemeClr val="bg1">
+                  <a:lumMod val="65000"/>
+                </a:schemeClr>
+              </a:solidFill>
               <a:latin typeface="Arial" pitchFamily="34" charset="0"/>
               <a:cs typeface="Arial" pitchFamily="34" charset="0"/>
             </a:endParaRPr>

--- a/Original Files/Strategy Learner - CS7646 Machine Learning for Trading.pptx
+++ b/Original Files/Strategy Learner - CS7646 Machine Learning for Trading.pptx
@@ -5293,7 +5293,14 @@
                 <a:latin typeface="Arial" pitchFamily="34" charset="0"/>
                 <a:cs typeface="Arial" pitchFamily="34" charset="0"/>
               </a:rPr>
-              <a:t>Deep Learning Trade </a:t>
+              <a:t>Deep </a:t>
+            </a:r>
+            <a:r>
+              <a:rPr lang="en-US" altLang="ko-KR">
+                <a:latin typeface="Arial" pitchFamily="34" charset="0"/>
+                <a:cs typeface="Arial" pitchFamily="34" charset="0"/>
+              </a:rPr>
+              <a:t>Learning Trader </a:t>
             </a:r>
             <a:r>
               <a:rPr lang="en-US" altLang="ko-KR" dirty="0">
